--- a/01_FoundationProjects/CFL05_Client_Server_Sensor_Data/CFL05_Client_Server_Sensor_Data.pptx
+++ b/01_FoundationProjects/CFL05_Client_Server_Sensor_Data/CFL05_Client_Server_Sensor_Data.pptx
@@ -5589,6 +5589,42 @@
           </a:p>
         </p:txBody>
       </p:sp>
+      <p:pic>
+        <p:nvPicPr>
+          <p:cNvPr id="7" name="Picture 6">
+            <a:extLst>
+              <a:ext uri="{FF2B5EF4-FFF2-40B4-BE49-F238E27FC236}">
+                <a16:creationId xmlns:a16="http://schemas.microsoft.com/office/drawing/2014/main" id="{F4E9BA65-8305-FC9C-A63C-D0A87D59B1BE}"/>
+              </a:ext>
+            </a:extLst>
+          </p:cNvPr>
+          <p:cNvPicPr>
+            <a:picLocks noChangeAspect="1"/>
+          </p:cNvPicPr>
+          <p:nvPr/>
+        </p:nvPicPr>
+        <p:blipFill>
+          <a:blip r:embed="rId4" cstate="print">
+            <a:extLst>
+              <a:ext uri="{28A0092B-C50C-407E-A947-70E740481C1C}">
+                <a14:useLocalDpi xmlns:a14="http://schemas.microsoft.com/office/drawing/2010/main" val="0"/>
+              </a:ext>
+            </a:extLst>
+          </a:blip>
+          <a:stretch>
+            <a:fillRect/>
+          </a:stretch>
+        </p:blipFill>
+        <p:spPr>
+          <a:xfrm>
+            <a:off x="9004852" y="1"/>
+            <a:ext cx="3125372" cy="842386"/>
+          </a:xfrm>
+          <a:prstGeom prst="rect">
+            <a:avLst/>
+          </a:prstGeom>
+        </p:spPr>
+      </p:pic>
     </p:spTree>
   </p:cSld>
   <p:clrMapOvr>
@@ -6252,6 +6288,42 @@
           </a:prstGeom>
         </p:spPr>
       </p:pic>
+      <p:pic>
+        <p:nvPicPr>
+          <p:cNvPr id="3" name="Picture 2">
+            <a:extLst>
+              <a:ext uri="{FF2B5EF4-FFF2-40B4-BE49-F238E27FC236}">
+                <a16:creationId xmlns:a16="http://schemas.microsoft.com/office/drawing/2014/main" id="{8083E74E-E24E-56CD-61D6-BB6D604926E0}"/>
+              </a:ext>
+            </a:extLst>
+          </p:cNvPr>
+          <p:cNvPicPr>
+            <a:picLocks noChangeAspect="1"/>
+          </p:cNvPicPr>
+          <p:nvPr/>
+        </p:nvPicPr>
+        <p:blipFill>
+          <a:blip r:embed="rId4" cstate="print">
+            <a:extLst>
+              <a:ext uri="{28A0092B-C50C-407E-A947-70E740481C1C}">
+                <a14:useLocalDpi xmlns:a14="http://schemas.microsoft.com/office/drawing/2010/main" val="0"/>
+              </a:ext>
+            </a:extLst>
+          </a:blip>
+          <a:stretch>
+            <a:fillRect/>
+          </a:stretch>
+        </p:blipFill>
+        <p:spPr>
+          <a:xfrm>
+            <a:off x="9004852" y="1"/>
+            <a:ext cx="3125372" cy="842386"/>
+          </a:xfrm>
+          <a:prstGeom prst="rect">
+            <a:avLst/>
+          </a:prstGeom>
+        </p:spPr>
+      </p:pic>
     </p:spTree>
     <p:extLst>
       <p:ext uri="{BB962C8B-B14F-4D97-AF65-F5344CB8AC3E}">
@@ -6446,7 +6518,7 @@
         </p:nvSpPr>
         <p:spPr bwMode="auto">
           <a:xfrm>
-            <a:off x="591524" y="4777147"/>
+            <a:off x="591524" y="4128218"/>
             <a:ext cx="5146467" cy="646331"/>
           </a:xfrm>
           <a:prstGeom prst="rect">
@@ -6578,8 +6650,8 @@
         </p:nvSpPr>
         <p:spPr>
           <a:xfrm>
-            <a:off x="722163" y="5511604"/>
-            <a:ext cx="4885191" cy="307777"/>
+            <a:off x="722161" y="4799753"/>
+            <a:ext cx="4885191" cy="1169551"/>
           </a:xfrm>
           <a:prstGeom prst="rect">
             <a:avLst/>
@@ -6691,7 +6763,168 @@
             </a:lvl9pPr>
           </a:lstStyle>
           <a:p>
+            <a:r>
+              <a:rPr lang="en-GB" dirty="0">
+                <a:hlinkClick r:id="rId3"/>
+              </a:rPr>
+              <a:t>https://github.com/info-zas/zas-robotics-communications/blob/main/01_FoundationProjects/CFL05_Client_Server_Sensor_Data/CFL05_Client_Server_Sensor_Data/CFL05_Client_Server_Sensor_Data.ino</a:t>
+            </a:r>
             <a:endParaRPr lang="en-GB" dirty="0"/>
+          </a:p>
+          <a:p>
+            <a:endParaRPr lang="en-GB" dirty="0"/>
+          </a:p>
+        </p:txBody>
+      </p:sp>
+      <p:pic>
+        <p:nvPicPr>
+          <p:cNvPr id="8" name="Picture 7">
+            <a:extLst>
+              <a:ext uri="{FF2B5EF4-FFF2-40B4-BE49-F238E27FC236}">
+                <a16:creationId xmlns:a16="http://schemas.microsoft.com/office/drawing/2014/main" id="{C67D921C-85DE-D1D0-8D92-9329C43E3691}"/>
+              </a:ext>
+            </a:extLst>
+          </p:cNvPr>
+          <p:cNvPicPr>
+            <a:picLocks noChangeAspect="1"/>
+          </p:cNvPicPr>
+          <p:nvPr/>
+        </p:nvPicPr>
+        <p:blipFill>
+          <a:blip r:embed="rId4" cstate="print">
+            <a:extLst>
+              <a:ext uri="{28A0092B-C50C-407E-A947-70E740481C1C}">
+                <a14:useLocalDpi xmlns:a14="http://schemas.microsoft.com/office/drawing/2010/main" val="0"/>
+              </a:ext>
+            </a:extLst>
+          </a:blip>
+          <a:stretch>
+            <a:fillRect/>
+          </a:stretch>
+        </p:blipFill>
+        <p:spPr>
+          <a:xfrm>
+            <a:off x="9004852" y="1"/>
+            <a:ext cx="3125372" cy="842386"/>
+          </a:xfrm>
+          <a:prstGeom prst="rect">
+            <a:avLst/>
+          </a:prstGeom>
+        </p:spPr>
+      </p:pic>
+      <p:pic>
+        <p:nvPicPr>
+          <p:cNvPr id="10" name="Picture 9">
+            <a:extLst>
+              <a:ext uri="{FF2B5EF4-FFF2-40B4-BE49-F238E27FC236}">
+                <a16:creationId xmlns:a16="http://schemas.microsoft.com/office/drawing/2014/main" id="{D89B231C-2C5E-2910-AB5F-C3171FBAEDC0}"/>
+              </a:ext>
+            </a:extLst>
+          </p:cNvPr>
+          <p:cNvPicPr>
+            <a:picLocks noChangeAspect="1"/>
+          </p:cNvPicPr>
+          <p:nvPr/>
+        </p:nvPicPr>
+        <p:blipFill>
+          <a:blip r:embed="rId5"/>
+          <a:stretch>
+            <a:fillRect/>
+          </a:stretch>
+        </p:blipFill>
+        <p:spPr>
+          <a:xfrm>
+            <a:off x="838200" y="1598681"/>
+            <a:ext cx="3195010" cy="2424838"/>
+          </a:xfrm>
+          <a:prstGeom prst="rect">
+            <a:avLst/>
+          </a:prstGeom>
+          <a:ln w="28575">
+            <a:solidFill>
+              <a:schemeClr val="accent1"/>
+            </a:solidFill>
+          </a:ln>
+        </p:spPr>
+      </p:pic>
+      <p:sp>
+        <p:nvSpPr>
+          <p:cNvPr id="11" name="TextBox 10">
+            <a:extLst>
+              <a:ext uri="{FF2B5EF4-FFF2-40B4-BE49-F238E27FC236}">
+                <a16:creationId xmlns:a16="http://schemas.microsoft.com/office/drawing/2014/main" id="{22105F64-ECB4-B668-99DF-EAC50068D5F8}"/>
+              </a:ext>
+            </a:extLst>
+          </p:cNvPr>
+          <p:cNvSpPr txBox="1"/>
+          <p:nvPr/>
+        </p:nvSpPr>
+        <p:spPr>
+          <a:xfrm>
+            <a:off x="4444180" y="2055812"/>
+            <a:ext cx="1376516" cy="1200329"/>
+          </a:xfrm>
+          <a:prstGeom prst="rect">
+            <a:avLst/>
+          </a:prstGeom>
+          <a:noFill/>
+        </p:spPr>
+        <p:txBody>
+          <a:bodyPr wrap="square" rtlCol="0">
+            <a:spAutoFit/>
+          </a:bodyPr>
+          <a:lstStyle/>
+          <a:p>
+            <a:r>
+              <a:rPr lang="en-GB" dirty="0"/>
+              <a:t>Enter your SSID, Password in the code</a:t>
+            </a:r>
+          </a:p>
+        </p:txBody>
+      </p:sp>
+      <p:sp>
+        <p:nvSpPr>
+          <p:cNvPr id="14" name="Arrow: Right 13">
+            <a:extLst>
+              <a:ext uri="{FF2B5EF4-FFF2-40B4-BE49-F238E27FC236}">
+                <a16:creationId xmlns:a16="http://schemas.microsoft.com/office/drawing/2014/main" id="{8F34E960-8FC5-D6B2-98EC-B2128955FB55}"/>
+              </a:ext>
+            </a:extLst>
+          </p:cNvPr>
+          <p:cNvSpPr/>
+          <p:nvPr/>
+        </p:nvSpPr>
+        <p:spPr>
+          <a:xfrm rot="11884108">
+            <a:off x="3716594" y="2359742"/>
+            <a:ext cx="727586" cy="226142"/>
+          </a:xfrm>
+          <a:prstGeom prst="rightArrow">
+            <a:avLst/>
+          </a:prstGeom>
+        </p:spPr>
+        <p:style>
+          <a:lnRef idx="2">
+            <a:schemeClr val="accent1">
+              <a:shade val="15000"/>
+            </a:schemeClr>
+          </a:lnRef>
+          <a:fillRef idx="1">
+            <a:schemeClr val="accent1"/>
+          </a:fillRef>
+          <a:effectRef idx="0">
+            <a:schemeClr val="accent1"/>
+          </a:effectRef>
+          <a:fontRef idx="minor">
+            <a:schemeClr val="lt1"/>
+          </a:fontRef>
+        </p:style>
+        <p:txBody>
+          <a:bodyPr rtlCol="0" anchor="ctr"/>
+          <a:lstStyle/>
+          <a:p>
+            <a:pPr algn="ctr"/>
+            <a:endParaRPr lang="en-GB"/>
           </a:p>
         </p:txBody>
       </p:sp>
@@ -6956,6 +7189,42 @@
               <a:schemeClr val="accent1"/>
             </a:solidFill>
           </a:ln>
+        </p:spPr>
+      </p:pic>
+      <p:pic>
+        <p:nvPicPr>
+          <p:cNvPr id="3" name="Picture 2">
+            <a:extLst>
+              <a:ext uri="{FF2B5EF4-FFF2-40B4-BE49-F238E27FC236}">
+                <a16:creationId xmlns:a16="http://schemas.microsoft.com/office/drawing/2014/main" id="{D9F57866-3B70-57E2-ED19-93E02BC8D6AE}"/>
+              </a:ext>
+            </a:extLst>
+          </p:cNvPr>
+          <p:cNvPicPr>
+            <a:picLocks noChangeAspect="1"/>
+          </p:cNvPicPr>
+          <p:nvPr/>
+        </p:nvPicPr>
+        <p:blipFill>
+          <a:blip r:embed="rId4" cstate="print">
+            <a:extLst>
+              <a:ext uri="{28A0092B-C50C-407E-A947-70E740481C1C}">
+                <a14:useLocalDpi xmlns:a14="http://schemas.microsoft.com/office/drawing/2010/main" val="0"/>
+              </a:ext>
+            </a:extLst>
+          </a:blip>
+          <a:stretch>
+            <a:fillRect/>
+          </a:stretch>
+        </p:blipFill>
+        <p:spPr>
+          <a:xfrm>
+            <a:off x="9004852" y="1"/>
+            <a:ext cx="3125372" cy="842386"/>
+          </a:xfrm>
+          <a:prstGeom prst="rect">
+            <a:avLst/>
+          </a:prstGeom>
         </p:spPr>
       </p:pic>
     </p:spTree>
